--- a/Fracture Detection Presentation.pptx
+++ b/Fracture Detection Presentation.pptx
@@ -111,6 +111,11 @@
       </a:defRPr>
     </a:lvl9pPr>
   </p:defaultTextStyle>
+  <p:extLst>
+    <p:ext uri="{EFAFB233-063F-42B5-8137-9DF3F51BA10A}">
+      <p15:sldGuideLst xmlns:p15="http://schemas.microsoft.com/office/powerpoint/2012/main"/>
+    </p:ext>
+  </p:extLst>
 </p:presentation>
 </file>
 
@@ -6110,7 +6115,36 @@
           <a:bodyPr/>
           <a:lstStyle/>
           <a:p>
-            <a:endParaRPr lang="en-US" dirty="0"/>
+            <a:r>
+              <a:rPr lang="en-US" dirty="0"/>
+              <a:t>Many of the existing fracture detection models use some kind of deep learning model to correctly detect fractures</a:t>
+            </a:r>
+          </a:p>
+          <a:p>
+            <a:r>
+              <a:rPr lang="en-US" dirty="0"/>
+              <a:t>Of the ones that do not their problem’s can vary from the speed of the algorithm to the accuracy</a:t>
+            </a:r>
+          </a:p>
+          <a:p>
+            <a:r>
+              <a:rPr lang="en-US" dirty="0"/>
+              <a:t>One method utilizing a </a:t>
+            </a:r>
+            <a:r>
+              <a:rPr lang="en-US" dirty="0" err="1"/>
+              <a:t>hough</a:t>
+            </a:r>
+            <a:r>
+              <a:rPr lang="en-US" dirty="0"/>
+              <a:t> transform is limited to fractures located close to the middle of the bone only</a:t>
+            </a:r>
+          </a:p>
+          <a:p>
+            <a:r>
+              <a:rPr lang="en-US" dirty="0"/>
+              <a:t>Of the non deep learning based methods, our method is able to find fractures in a bone at any location</a:t>
+            </a:r>
           </a:p>
         </p:txBody>
       </p:sp>
@@ -6219,6 +6253,12 @@
             </a:r>
           </a:p>
           <a:p>
+            <a:r>
+              <a:rPr lang="en-US" dirty="0"/>
+              <a:t>Bones featuring no abnormality are placed in folders labelled negative and those with abnormalities are placed in folders labelled positive</a:t>
+            </a:r>
+          </a:p>
+          <a:p>
             <a:endParaRPr lang="en-US" dirty="0"/>
           </a:p>
           <a:p>
@@ -6566,7 +6606,30 @@
           <a:bodyPr/>
           <a:lstStyle/>
           <a:p>
-            <a:endParaRPr lang="en-US"/>
+            <a:r>
+              <a:rPr lang="en-US" dirty="0"/>
+              <a:t>Extend this program by making use of deep learning</a:t>
+            </a:r>
+          </a:p>
+          <a:p>
+            <a:r>
+              <a:rPr lang="en-US" dirty="0"/>
+              <a:t>Create a more complex algorithm that can detect fractures on bones that have existing metal braces/screws</a:t>
+            </a:r>
+          </a:p>
+          <a:p>
+            <a:r>
+              <a:rPr lang="en-US" dirty="0"/>
+              <a:t>Extend the programs </a:t>
+            </a:r>
+            <a:r>
+              <a:rPr lang="en-US" dirty="0" err="1"/>
+              <a:t>capcity</a:t>
+            </a:r>
+            <a:r>
+              <a:rPr lang="en-US" dirty="0"/>
+              <a:t> to effectively evaluate fractures of any type of bone</a:t>
+            </a:r>
           </a:p>
         </p:txBody>
       </p:sp>

--- a/Fracture Detection Presentation.pptx
+++ b/Fracture Detection Presentation.pptx
@@ -5859,7 +5859,7 @@
           <a:p>
             <a:r>
               <a:rPr lang="en-US" dirty="0"/>
-              <a:t>Fracture Detector</a:t>
+              <a:t>Bone Fracture Detector</a:t>
             </a:r>
           </a:p>
         </p:txBody>
@@ -5885,7 +5885,40 @@
           <a:bodyPr/>
           <a:lstStyle/>
           <a:p>
-            <a:endParaRPr lang="en-US"/>
+            <a:r>
+              <a:rPr lang="en-US" dirty="0"/>
+              <a:t>Members: Matthew </a:t>
+            </a:r>
+            <a:r>
+              <a:rPr lang="en-US" dirty="0" err="1"/>
+              <a:t>Grech</a:t>
+            </a:r>
+            <a:r>
+              <a:rPr lang="en-US" dirty="0"/>
+              <a:t>, </a:t>
+            </a:r>
+            <a:r>
+              <a:rPr lang="en-US" dirty="0" err="1"/>
+              <a:t>Ziyin</a:t>
+            </a:r>
+            <a:r>
+              <a:rPr lang="en-US" dirty="0"/>
+              <a:t> Zhong,</a:t>
+            </a:r>
+          </a:p>
+          <a:p>
+            <a:r>
+              <a:rPr lang="en-US" dirty="0"/>
+              <a:t> Chidi Okongwu, David </a:t>
+            </a:r>
+            <a:r>
+              <a:rPr lang="en-US" dirty="0" err="1"/>
+              <a:t>Mounes</a:t>
+            </a:r>
+            <a:r>
+              <a:rPr lang="en-US" dirty="0"/>
+              <a:t> Flores</a:t>
+            </a:r>
           </a:p>
         </p:txBody>
       </p:sp>
@@ -5969,42 +6002,14 @@
           <a:lstStyle/>
           <a:p>
             <a:r>
-              <a:rPr lang="en-US" dirty="0" err="1"/>
-              <a:t>Xrays</a:t>
-            </a:r>
-            <a:r>
               <a:rPr lang="en-US" dirty="0"/>
-              <a:t> are often used on patient to detect </a:t>
-            </a:r>
-            <a:r>
-              <a:rPr lang="en-US" dirty="0" err="1"/>
-              <a:t>abonormalities</a:t>
-            </a:r>
+              <a:t>X-rays are often used on patient to detect abnormalities when a doctor thinks there may be something wrong</a:t>
+            </a:r>
+          </a:p>
+          <a:p>
             <a:r>
               <a:rPr lang="en-US" dirty="0"/>
-              <a:t> when a doctor thinks there may be something wrong</a:t>
-            </a:r>
-          </a:p>
-          <a:p>
-            <a:r>
-              <a:rPr lang="en-US" dirty="0"/>
-              <a:t>Requires a radiologist who understands </a:t>
-            </a:r>
-            <a:r>
-              <a:rPr lang="en-US" dirty="0" err="1"/>
-              <a:t>xray</a:t>
-            </a:r>
-            <a:r>
-              <a:rPr lang="en-US" dirty="0"/>
-              <a:t> imaging to see if </a:t>
-            </a:r>
-            <a:r>
-              <a:rPr lang="en-US" dirty="0" err="1"/>
-              <a:t>theres</a:t>
-            </a:r>
-            <a:r>
-              <a:rPr lang="en-US" dirty="0"/>
-              <a:t> a fracture and properly categorize it</a:t>
+              <a:t>Requires a radiologist who understands X-ray imaging to see if there's a fracture and properly categorize it</a:t>
             </a:r>
           </a:p>
           <a:p>
@@ -6129,15 +6134,7 @@
           <a:p>
             <a:r>
               <a:rPr lang="en-US" dirty="0"/>
-              <a:t>One method utilizing a </a:t>
-            </a:r>
-            <a:r>
-              <a:rPr lang="en-US" dirty="0" err="1"/>
-              <a:t>hough</a:t>
-            </a:r>
-            <a:r>
-              <a:rPr lang="en-US" dirty="0"/>
-              <a:t> transform is limited to fractures located close to the middle of the bone only</a:t>
+              <a:t>One method utilizing a Hough transform is limited to fractures located close to the middle of the bone only</a:t>
             </a:r>
           </a:p>
           <a:p>
@@ -6241,15 +6238,7 @@
           <a:p>
             <a:r>
               <a:rPr lang="en-US" dirty="0"/>
-              <a:t>Contains 40,000 </a:t>
-            </a:r>
-            <a:r>
-              <a:rPr lang="en-US" dirty="0" err="1"/>
-              <a:t>xray</a:t>
-            </a:r>
-            <a:r>
-              <a:rPr lang="en-US" dirty="0"/>
-              <a:t> images of elbows, fingers, forearms, hands, shoulders, wrists, humerus that are labelled as normal or abnormal</a:t>
+              <a:t>Contains 40,000 X-ray images of elbows, fingers, forearms, hands, shoulders, wrists, humerus that are labelled as normal or abnormal</a:t>
             </a:r>
           </a:p>
           <a:p>
@@ -6497,7 +6486,7 @@
           <a:p>
             <a:r>
               <a:rPr lang="en-US" dirty="0"/>
-              <a:t>Remaining Work</a:t>
+              <a:t>Remaining Work(might not be necessary)</a:t>
             </a:r>
           </a:p>
         </p:txBody>
@@ -6620,15 +6609,7 @@
           <a:p>
             <a:r>
               <a:rPr lang="en-US" dirty="0"/>
-              <a:t>Extend the programs </a:t>
-            </a:r>
-            <a:r>
-              <a:rPr lang="en-US" dirty="0" err="1"/>
-              <a:t>capcity</a:t>
-            </a:r>
-            <a:r>
-              <a:rPr lang="en-US" dirty="0"/>
-              <a:t> to effectively evaluate fractures of any type of bone</a:t>
+              <a:t>Extend the programs capacity to effectively evaluate fractures of any type of bone</a:t>
             </a:r>
           </a:p>
         </p:txBody>
